--- a/bi_ye_lun_wen/cao gao/VR shi_yan.pptx
+++ b/bi_ye_lun_wen/cao gao/VR shi_yan.pptx
@@ -258,7 +258,7 @@
           <a:p>
             <a:fld id="{D997B5FA-0921-464F-AAE1-844C04324D75}" type="datetimeFigureOut">
               <a:rPr lang="zh-CN" altLang="en-US" smtClean="0"/>
-              <a:t>2018/3/19</a:t>
+              <a:t>2018/5/27</a:t>
             </a:fld>
             <a:endParaRPr lang="zh-CN" altLang="en-US"/>
           </a:p>
@@ -421,7 +421,7 @@
           <a:p>
             <a:fld id="{D997B5FA-0921-464F-AAE1-844C04324D75}" type="datetimeFigureOut">
               <a:rPr lang="zh-CN" altLang="en-US" smtClean="0"/>
-              <a:t>2018/3/19</a:t>
+              <a:t>2018/5/27</a:t>
             </a:fld>
             <a:endParaRPr lang="zh-CN" altLang="en-US"/>
           </a:p>
@@ -594,7 +594,7 @@
           <a:p>
             <a:fld id="{D997B5FA-0921-464F-AAE1-844C04324D75}" type="datetimeFigureOut">
               <a:rPr lang="zh-CN" altLang="en-US" smtClean="0"/>
-              <a:t>2018/3/19</a:t>
+              <a:t>2018/5/27</a:t>
             </a:fld>
             <a:endParaRPr lang="zh-CN" altLang="en-US"/>
           </a:p>
@@ -757,7 +757,7 @@
           <a:p>
             <a:fld id="{D997B5FA-0921-464F-AAE1-844C04324D75}" type="datetimeFigureOut">
               <a:rPr lang="zh-CN" altLang="en-US" smtClean="0"/>
-              <a:t>2018/3/19</a:t>
+              <a:t>2018/5/27</a:t>
             </a:fld>
             <a:endParaRPr lang="zh-CN" altLang="en-US"/>
           </a:p>
@@ -997,7 +997,7 @@
           <a:p>
             <a:fld id="{D997B5FA-0921-464F-AAE1-844C04324D75}" type="datetimeFigureOut">
               <a:rPr lang="zh-CN" altLang="en-US" smtClean="0"/>
-              <a:t>2018/3/19</a:t>
+              <a:t>2018/5/27</a:t>
             </a:fld>
             <a:endParaRPr lang="zh-CN" altLang="en-US"/>
           </a:p>
@@ -1221,7 +1221,7 @@
           <a:p>
             <a:fld id="{D997B5FA-0921-464F-AAE1-844C04324D75}" type="datetimeFigureOut">
               <a:rPr lang="zh-CN" altLang="en-US" smtClean="0"/>
-              <a:t>2018/3/19</a:t>
+              <a:t>2018/5/27</a:t>
             </a:fld>
             <a:endParaRPr lang="zh-CN" altLang="en-US"/>
           </a:p>
@@ -1580,7 +1580,7 @@
           <a:p>
             <a:fld id="{D997B5FA-0921-464F-AAE1-844C04324D75}" type="datetimeFigureOut">
               <a:rPr lang="zh-CN" altLang="en-US" smtClean="0"/>
-              <a:t>2018/3/19</a:t>
+              <a:t>2018/5/27</a:t>
             </a:fld>
             <a:endParaRPr lang="zh-CN" altLang="en-US"/>
           </a:p>
@@ -1692,7 +1692,7 @@
           <a:p>
             <a:fld id="{D997B5FA-0921-464F-AAE1-844C04324D75}" type="datetimeFigureOut">
               <a:rPr lang="zh-CN" altLang="en-US" smtClean="0"/>
-              <a:t>2018/3/19</a:t>
+              <a:t>2018/5/27</a:t>
             </a:fld>
             <a:endParaRPr lang="zh-CN" altLang="en-US"/>
           </a:p>
@@ -1782,7 +1782,7 @@
           <a:p>
             <a:fld id="{D997B5FA-0921-464F-AAE1-844C04324D75}" type="datetimeFigureOut">
               <a:rPr lang="zh-CN" altLang="en-US" smtClean="0"/>
-              <a:t>2018/3/19</a:t>
+              <a:t>2018/5/27</a:t>
             </a:fld>
             <a:endParaRPr lang="zh-CN" altLang="en-US"/>
           </a:p>
@@ -2052,7 +2052,7 @@
           <a:p>
             <a:fld id="{D997B5FA-0921-464F-AAE1-844C04324D75}" type="datetimeFigureOut">
               <a:rPr lang="zh-CN" altLang="en-US" smtClean="0"/>
-              <a:t>2018/3/19</a:t>
+              <a:t>2018/5/27</a:t>
             </a:fld>
             <a:endParaRPr lang="zh-CN" altLang="en-US"/>
           </a:p>
@@ -2299,7 +2299,7 @@
           <a:p>
             <a:fld id="{D997B5FA-0921-464F-AAE1-844C04324D75}" type="datetimeFigureOut">
               <a:rPr lang="zh-CN" altLang="en-US" smtClean="0"/>
-              <a:t>2018/3/19</a:t>
+              <a:t>2018/5/27</a:t>
             </a:fld>
             <a:endParaRPr lang="zh-CN" altLang="en-US"/>
           </a:p>
@@ -2505,7 +2505,7 @@
           <a:p>
             <a:fld id="{D997B5FA-0921-464F-AAE1-844C04324D75}" type="datetimeFigureOut">
               <a:rPr lang="zh-CN" altLang="en-US" smtClean="0"/>
-              <a:t>2018/3/19</a:t>
+              <a:t>2018/5/27</a:t>
             </a:fld>
             <a:endParaRPr lang="zh-CN" altLang="en-US"/>
           </a:p>
@@ -6698,31 +6698,26 @@
         </p:nvSpPr>
         <p:spPr>
           <a:xfrm>
-            <a:off x="1407695" y="1772816"/>
-            <a:ext cx="8936777" cy="4536504"/>
+            <a:off x="2401705" y="1597199"/>
+            <a:ext cx="8956656" cy="4536504"/>
           </a:xfrm>
           <a:prstGeom prst="rect">
             <a:avLst/>
           </a:prstGeom>
-          <a:solidFill>
-            <a:schemeClr val="accent5"/>
-          </a:solidFill>
-          <a:ln>
-            <a:noFill/>
-          </a:ln>
+          <a:ln/>
         </p:spPr>
         <p:style>
-          <a:lnRef idx="0">
-            <a:scrgbClr r="0" g="0" b="0"/>
+          <a:lnRef idx="2">
+            <a:schemeClr val="dk1"/>
           </a:lnRef>
-          <a:fillRef idx="0">
-            <a:scrgbClr r="0" g="0" b="0"/>
+          <a:fillRef idx="1">
+            <a:schemeClr val="lt1"/>
           </a:fillRef>
           <a:effectRef idx="0">
-            <a:scrgbClr r="0" g="0" b="0"/>
+            <a:schemeClr val="dk1"/>
           </a:effectRef>
           <a:fontRef idx="minor">
-            <a:schemeClr val="lt1"/>
+            <a:schemeClr val="dk1"/>
           </a:fontRef>
         </p:style>
         <p:txBody>
@@ -6730,7 +6725,11 @@
           <a:lstStyle/>
           <a:p>
             <a:pPr algn="ctr"/>
-            <a:endParaRPr lang="ko-KR" altLang="en-US"/>
+            <a:endParaRPr lang="ko-KR" altLang="en-US" sz="2000">
+              <a:solidFill>
+                <a:schemeClr val="tx1"/>
+              </a:solidFill>
+            </a:endParaRPr>
           </a:p>
         </p:txBody>
       </p:sp>
@@ -6742,8 +6741,8 @@
         </p:nvSpPr>
         <p:spPr>
           <a:xfrm>
-            <a:off x="2015089" y="2091278"/>
-            <a:ext cx="1432655" cy="504056"/>
+            <a:off x="2769962" y="2144100"/>
+            <a:ext cx="1600216" cy="504056"/>
           </a:xfrm>
           <a:prstGeom prst="rect">
             <a:avLst/>
@@ -6751,18 +6750,16 @@
         </p:spPr>
         <p:style>
           <a:lnRef idx="2">
-            <a:schemeClr val="accent1">
-              <a:shade val="50000"/>
-            </a:schemeClr>
+            <a:schemeClr val="dk1"/>
           </a:lnRef>
           <a:fillRef idx="1">
-            <a:schemeClr val="accent1"/>
+            <a:schemeClr val="lt1"/>
           </a:fillRef>
           <a:effectRef idx="0">
-            <a:schemeClr val="accent1"/>
+            <a:schemeClr val="dk1"/>
           </a:effectRef>
           <a:fontRef idx="minor">
-            <a:schemeClr val="lt1"/>
+            <a:schemeClr val="dk1"/>
           </a:fontRef>
         </p:style>
         <p:txBody>
@@ -6771,17 +6768,18 @@
           <a:p>
             <a:pPr algn="ctr"/>
             <a:r>
-              <a:rPr lang="en-US" altLang="zh-CN" dirty="0"/>
-              <a:t>Choose </a:t>
-            </a:r>
-          </a:p>
-          <a:p>
-            <a:pPr algn="ctr"/>
-            <a:r>
-              <a:rPr lang="en-US" altLang="zh-CN" dirty="0"/>
-              <a:t>Experiment </a:t>
-            </a:r>
-            <a:endParaRPr lang="ko-KR" altLang="en-US" dirty="0"/>
+              <a:rPr lang="en-US" altLang="zh-CN" sz="2000" dirty="0">
+                <a:solidFill>
+                  <a:schemeClr val="tx1"/>
+                </a:solidFill>
+              </a:rPr>
+              <a:t>Experiments </a:t>
+            </a:r>
+            <a:endParaRPr lang="ko-KR" altLang="en-US" sz="2000" dirty="0">
+              <a:solidFill>
+                <a:schemeClr val="tx1"/>
+              </a:solidFill>
+            </a:endParaRPr>
           </a:p>
         </p:txBody>
       </p:sp>
@@ -6793,8 +6791,8 @@
         </p:nvSpPr>
         <p:spPr>
           <a:xfrm>
-            <a:off x="4063658" y="2476010"/>
-            <a:ext cx="3985468" cy="271047"/>
+            <a:off x="4753735" y="2545639"/>
+            <a:ext cx="4354170" cy="314101"/>
           </a:xfrm>
           <a:prstGeom prst="rect">
             <a:avLst/>
@@ -6802,18 +6800,16 @@
         </p:spPr>
         <p:style>
           <a:lnRef idx="2">
-            <a:schemeClr val="accent1">
-              <a:shade val="50000"/>
-            </a:schemeClr>
+            <a:schemeClr val="dk1"/>
           </a:lnRef>
           <a:fillRef idx="1">
-            <a:schemeClr val="accent1"/>
+            <a:schemeClr val="lt1"/>
           </a:fillRef>
           <a:effectRef idx="0">
-            <a:schemeClr val="accent1"/>
+            <a:schemeClr val="dk1"/>
           </a:effectRef>
           <a:fontRef idx="minor">
-            <a:schemeClr val="lt1"/>
+            <a:schemeClr val="dk1"/>
           </a:fontRef>
         </p:style>
         <p:txBody>
@@ -6822,18 +6818,34 @@
           <a:p>
             <a:pPr algn="ctr"/>
             <a:r>
-              <a:rPr lang="en-US" altLang="zh-CN" dirty="0"/>
-              <a:t>E 2:</a:t>
-            </a:r>
-            <a:r>
-              <a:rPr lang="zh-CN" altLang="en-US" dirty="0"/>
+              <a:rPr lang="en-US" altLang="zh-CN" sz="2000" dirty="0">
+                <a:solidFill>
+                  <a:schemeClr val="tx1"/>
+                </a:solidFill>
+              </a:rPr>
+              <a:t>E2:</a:t>
+            </a:r>
+            <a:r>
+              <a:rPr lang="zh-CN" altLang="en-US" sz="2000" dirty="0">
+                <a:solidFill>
+                  <a:schemeClr val="tx1"/>
+                </a:solidFill>
+              </a:rPr>
               <a:t> </a:t>
             </a:r>
             <a:r>
-              <a:rPr lang="en-US" dirty="0"/>
+              <a:rPr lang="en-US" sz="2000" dirty="0">
+                <a:solidFill>
+                  <a:schemeClr val="tx1"/>
+                </a:solidFill>
+              </a:rPr>
               <a:t>Hydrogen peroxide decomposition </a:t>
             </a:r>
-            <a:endParaRPr lang="ko-KR" altLang="en-US" dirty="0"/>
+            <a:endParaRPr lang="ko-KR" altLang="en-US" sz="2000" dirty="0">
+              <a:solidFill>
+                <a:schemeClr val="tx1"/>
+              </a:solidFill>
+            </a:endParaRPr>
           </a:p>
         </p:txBody>
       </p:sp>
@@ -6845,8 +6857,8 @@
         </p:nvSpPr>
         <p:spPr>
           <a:xfrm>
-            <a:off x="4063658" y="1991191"/>
-            <a:ext cx="3214853" cy="279986"/>
+            <a:off x="4753735" y="1929804"/>
+            <a:ext cx="3846996" cy="394195"/>
           </a:xfrm>
           <a:prstGeom prst="rect">
             <a:avLst/>
@@ -6854,18 +6866,16 @@
         </p:spPr>
         <p:style>
           <a:lnRef idx="2">
-            <a:schemeClr val="accent1">
-              <a:shade val="50000"/>
-            </a:schemeClr>
+            <a:schemeClr val="dk1"/>
           </a:lnRef>
           <a:fillRef idx="1">
-            <a:schemeClr val="accent1"/>
+            <a:schemeClr val="lt1"/>
           </a:fillRef>
           <a:effectRef idx="0">
-            <a:schemeClr val="accent1"/>
+            <a:schemeClr val="dk1"/>
           </a:effectRef>
           <a:fontRef idx="minor">
-            <a:schemeClr val="lt1"/>
+            <a:schemeClr val="dk1"/>
           </a:fontRef>
         </p:style>
         <p:txBody>
@@ -6874,14 +6884,26 @@
           <a:p>
             <a:pPr algn="ctr"/>
             <a:r>
-              <a:rPr lang="en-US" altLang="zh-CN" dirty="0"/>
+              <a:rPr lang="en-US" altLang="zh-CN" sz="2000" dirty="0">
+                <a:solidFill>
+                  <a:schemeClr val="tx1"/>
+                </a:solidFill>
+              </a:rPr>
               <a:t>E1:</a:t>
             </a:r>
             <a:r>
-              <a:rPr lang="en-US" dirty="0"/>
-              <a:t> Burning of magnesium strips</a:t>
-            </a:r>
-            <a:endParaRPr lang="ko-KR" altLang="en-US" dirty="0"/>
+              <a:rPr lang="en-US" sz="2000" dirty="0">
+                <a:solidFill>
+                  <a:schemeClr val="tx1"/>
+                </a:solidFill>
+              </a:rPr>
+              <a:t> Magnesium ribbon combustion</a:t>
+            </a:r>
+            <a:endParaRPr lang="ko-KR" altLang="en-US" sz="2000" dirty="0">
+              <a:solidFill>
+                <a:schemeClr val="tx1"/>
+              </a:solidFill>
+            </a:endParaRPr>
           </a:p>
         </p:txBody>
       </p:sp>
@@ -6897,8 +6919,8 @@
         </p:nvCxnSpPr>
         <p:spPr>
           <a:xfrm flipV="1">
-            <a:off x="3447744" y="2131184"/>
-            <a:ext cx="615914" cy="212122"/>
+            <a:off x="4370178" y="2126902"/>
+            <a:ext cx="383557" cy="269226"/>
           </a:xfrm>
           <a:prstGeom prst="straightConnector1">
             <a:avLst/>
@@ -6911,14 +6933,14 @@
           <a:lnRef idx="2">
             <a:schemeClr val="dk1"/>
           </a:lnRef>
-          <a:fillRef idx="0">
-            <a:schemeClr val="dk1"/>
+          <a:fillRef idx="1">
+            <a:schemeClr val="lt1"/>
           </a:fillRef>
-          <a:effectRef idx="1">
+          <a:effectRef idx="0">
             <a:schemeClr val="dk1"/>
           </a:effectRef>
           <a:fontRef idx="minor">
-            <a:schemeClr val="tx1"/>
+            <a:schemeClr val="dk1"/>
           </a:fontRef>
         </p:style>
       </p:cxnSp>
@@ -6934,8 +6956,8 @@
         </p:nvCxnSpPr>
         <p:spPr>
           <a:xfrm>
-            <a:off x="3447744" y="2343306"/>
-            <a:ext cx="615914" cy="268228"/>
+            <a:off x="4370178" y="2396128"/>
+            <a:ext cx="383557" cy="306562"/>
           </a:xfrm>
           <a:prstGeom prst="straightConnector1">
             <a:avLst/>
@@ -6948,14 +6970,14 @@
           <a:lnRef idx="2">
             <a:schemeClr val="dk1"/>
           </a:lnRef>
-          <a:fillRef idx="0">
-            <a:schemeClr val="dk1"/>
+          <a:fillRef idx="1">
+            <a:schemeClr val="lt1"/>
           </a:fillRef>
-          <a:effectRef idx="1">
+          <a:effectRef idx="0">
             <a:schemeClr val="dk1"/>
           </a:effectRef>
           <a:fontRef idx="minor">
-            <a:schemeClr val="tx1"/>
+            <a:schemeClr val="dk1"/>
           </a:fontRef>
         </p:style>
       </p:cxnSp>
@@ -6967,8 +6989,8 @@
         </p:nvSpPr>
         <p:spPr>
           <a:xfrm>
-            <a:off x="4063658" y="2969316"/>
-            <a:ext cx="3985468" cy="351808"/>
+            <a:off x="4767910" y="3099849"/>
+            <a:ext cx="4165031" cy="382504"/>
           </a:xfrm>
           <a:prstGeom prst="rect">
             <a:avLst/>
@@ -6976,18 +6998,16 @@
         </p:spPr>
         <p:style>
           <a:lnRef idx="2">
-            <a:schemeClr val="accent1">
-              <a:shade val="50000"/>
-            </a:schemeClr>
+            <a:schemeClr val="dk1"/>
           </a:lnRef>
           <a:fillRef idx="1">
-            <a:schemeClr val="accent1"/>
+            <a:schemeClr val="lt1"/>
           </a:fillRef>
           <a:effectRef idx="0">
-            <a:schemeClr val="accent1"/>
+            <a:schemeClr val="dk1"/>
           </a:effectRef>
           <a:fontRef idx="minor">
-            <a:schemeClr val="lt1"/>
+            <a:schemeClr val="dk1"/>
           </a:fontRef>
         </p:style>
         <p:txBody>
@@ -6996,14 +7016,26 @@
           <a:p>
             <a:pPr algn="ctr"/>
             <a:r>
-              <a:rPr lang="en-US" altLang="zh-CN" dirty="0"/>
+              <a:rPr lang="en-US" altLang="zh-CN" sz="2000" dirty="0">
+                <a:solidFill>
+                  <a:schemeClr val="tx1"/>
+                </a:solidFill>
+              </a:rPr>
               <a:t>E3:</a:t>
             </a:r>
             <a:r>
-              <a:rPr lang="en-US" dirty="0"/>
+              <a:rPr lang="en-US" sz="2000" dirty="0">
+                <a:solidFill>
+                  <a:schemeClr val="tx1"/>
+                </a:solidFill>
+              </a:rPr>
               <a:t> Acid-Base Neutralization Reaction</a:t>
             </a:r>
-            <a:endParaRPr lang="ko-KR" altLang="en-US" dirty="0"/>
+            <a:endParaRPr lang="ko-KR" altLang="en-US" sz="2000" dirty="0">
+              <a:solidFill>
+                <a:schemeClr val="tx1"/>
+              </a:solidFill>
+            </a:endParaRPr>
           </a:p>
         </p:txBody>
       </p:sp>
@@ -7019,8 +7051,8 @@
         </p:nvCxnSpPr>
         <p:spPr>
           <a:xfrm>
-            <a:off x="3447744" y="2343306"/>
-            <a:ext cx="615914" cy="801914"/>
+            <a:off x="4370178" y="2396128"/>
+            <a:ext cx="397732" cy="894973"/>
           </a:xfrm>
           <a:prstGeom prst="straightConnector1">
             <a:avLst/>
@@ -7033,14 +7065,14 @@
           <a:lnRef idx="2">
             <a:schemeClr val="dk1"/>
           </a:lnRef>
-          <a:fillRef idx="0">
-            <a:schemeClr val="dk1"/>
+          <a:fillRef idx="1">
+            <a:schemeClr val="lt1"/>
           </a:fillRef>
-          <a:effectRef idx="1">
+          <a:effectRef idx="0">
             <a:schemeClr val="dk1"/>
           </a:effectRef>
           <a:fontRef idx="minor">
-            <a:schemeClr val="tx1"/>
+            <a:schemeClr val="dk1"/>
           </a:fontRef>
         </p:style>
       </p:cxnSp>
@@ -7052,7 +7084,7 @@
         </p:nvSpPr>
         <p:spPr>
           <a:xfrm>
-            <a:off x="4063658" y="3445482"/>
+            <a:off x="4739578" y="3642352"/>
             <a:ext cx="2826314" cy="279986"/>
           </a:xfrm>
           <a:prstGeom prst="rect">
@@ -7061,18 +7093,16 @@
         </p:spPr>
         <p:style>
           <a:lnRef idx="2">
-            <a:schemeClr val="accent1">
-              <a:shade val="50000"/>
-            </a:schemeClr>
+            <a:schemeClr val="dk1"/>
           </a:lnRef>
           <a:fillRef idx="1">
-            <a:schemeClr val="accent1"/>
+            <a:schemeClr val="lt1"/>
           </a:fillRef>
           <a:effectRef idx="0">
-            <a:schemeClr val="accent1"/>
+            <a:schemeClr val="dk1"/>
           </a:effectRef>
           <a:fontRef idx="minor">
-            <a:schemeClr val="lt1"/>
+            <a:schemeClr val="dk1"/>
           </a:fontRef>
         </p:style>
         <p:txBody>
@@ -7081,10 +7111,18 @@
           <a:p>
             <a:pPr algn="ctr"/>
             <a:r>
-              <a:rPr lang="en-US" altLang="zh-CN" dirty="0"/>
+              <a:rPr lang="en-US" altLang="zh-CN" sz="2000" dirty="0">
+                <a:solidFill>
+                  <a:schemeClr val="tx1"/>
+                </a:solidFill>
+              </a:rPr>
               <a:t>E4: …</a:t>
             </a:r>
-            <a:endParaRPr lang="ko-KR" altLang="en-US" dirty="0"/>
+            <a:endParaRPr lang="ko-KR" altLang="en-US" sz="2000" dirty="0">
+              <a:solidFill>
+                <a:schemeClr val="tx1"/>
+              </a:solidFill>
+            </a:endParaRPr>
           </a:p>
         </p:txBody>
       </p:sp>
@@ -7100,8 +7138,8 @@
         </p:nvCxnSpPr>
         <p:spPr>
           <a:xfrm>
-            <a:off x="3447744" y="2343306"/>
-            <a:ext cx="615914" cy="1242169"/>
+            <a:off x="4370178" y="2396128"/>
+            <a:ext cx="369400" cy="1386217"/>
           </a:xfrm>
           <a:prstGeom prst="straightConnector1">
             <a:avLst/>
@@ -7114,14 +7152,14 @@
           <a:lnRef idx="2">
             <a:schemeClr val="dk1"/>
           </a:lnRef>
-          <a:fillRef idx="0">
-            <a:schemeClr val="dk1"/>
+          <a:fillRef idx="1">
+            <a:schemeClr val="lt1"/>
           </a:fillRef>
-          <a:effectRef idx="1">
+          <a:effectRef idx="0">
             <a:schemeClr val="dk1"/>
           </a:effectRef>
           <a:fontRef idx="minor">
-            <a:schemeClr val="tx1"/>
+            <a:schemeClr val="dk1"/>
           </a:fontRef>
         </p:style>
       </p:cxnSp>
@@ -7133,8 +7171,8 @@
         </p:nvSpPr>
         <p:spPr>
           <a:xfrm>
-            <a:off x="8328248" y="2126940"/>
-            <a:ext cx="1584176" cy="279986"/>
+            <a:off x="9398869" y="1932283"/>
+            <a:ext cx="1553892" cy="349070"/>
           </a:xfrm>
           <a:prstGeom prst="rect">
             <a:avLst/>
@@ -7142,18 +7180,16 @@
         </p:spPr>
         <p:style>
           <a:lnRef idx="2">
-            <a:schemeClr val="accent1">
-              <a:shade val="50000"/>
-            </a:schemeClr>
+            <a:schemeClr val="dk1"/>
           </a:lnRef>
           <a:fillRef idx="1">
-            <a:schemeClr val="accent1"/>
+            <a:schemeClr val="lt1"/>
           </a:fillRef>
           <a:effectRef idx="0">
-            <a:schemeClr val="accent1"/>
+            <a:schemeClr val="dk1"/>
           </a:effectRef>
           <a:fontRef idx="minor">
-            <a:schemeClr val="lt1"/>
+            <a:schemeClr val="dk1"/>
           </a:fontRef>
         </p:style>
         <p:txBody>
@@ -7162,7 +7198,11 @@
           <a:p>
             <a:pPr algn="ctr"/>
             <a:r>
-              <a:rPr lang="en-US" altLang="zh-CN" dirty="0"/>
+              <a:rPr lang="en-US" altLang="zh-CN" sz="2000" dirty="0">
+                <a:solidFill>
+                  <a:schemeClr val="tx1"/>
+                </a:solidFill>
+              </a:rPr>
               <a:t>Prepare</a:t>
             </a:r>
           </a:p>
@@ -7179,9 +7219,9 @@
           <p:nvPr/>
         </p:nvCxnSpPr>
         <p:spPr>
-          <a:xfrm>
-            <a:off x="7278511" y="2131184"/>
-            <a:ext cx="1049737" cy="135749"/>
+          <a:xfrm flipV="1">
+            <a:off x="8600731" y="2106818"/>
+            <a:ext cx="798138" cy="20084"/>
           </a:xfrm>
           <a:prstGeom prst="straightConnector1">
             <a:avLst/>
@@ -7194,14 +7234,14 @@
           <a:lnRef idx="2">
             <a:schemeClr val="dk1"/>
           </a:lnRef>
-          <a:fillRef idx="0">
-            <a:schemeClr val="dk1"/>
+          <a:fillRef idx="1">
+            <a:schemeClr val="lt1"/>
           </a:fillRef>
-          <a:effectRef idx="1">
+          <a:effectRef idx="0">
             <a:schemeClr val="dk1"/>
           </a:effectRef>
           <a:fontRef idx="minor">
-            <a:schemeClr val="tx1"/>
+            <a:schemeClr val="dk1"/>
           </a:fontRef>
         </p:style>
       </p:cxnSp>
@@ -7213,7 +7253,7 @@
         </p:nvSpPr>
         <p:spPr>
           <a:xfrm>
-            <a:off x="8328248" y="2616003"/>
+            <a:off x="9398869" y="2421346"/>
             <a:ext cx="1584176" cy="279986"/>
           </a:xfrm>
           <a:prstGeom prst="rect">
@@ -7222,18 +7262,16 @@
         </p:spPr>
         <p:style>
           <a:lnRef idx="2">
-            <a:schemeClr val="accent1">
-              <a:shade val="50000"/>
-            </a:schemeClr>
+            <a:schemeClr val="dk1"/>
           </a:lnRef>
           <a:fillRef idx="1">
-            <a:schemeClr val="accent1"/>
+            <a:schemeClr val="lt1"/>
           </a:fillRef>
           <a:effectRef idx="0">
-            <a:schemeClr val="accent1"/>
+            <a:schemeClr val="dk1"/>
           </a:effectRef>
           <a:fontRef idx="minor">
-            <a:schemeClr val="lt1"/>
+            <a:schemeClr val="dk1"/>
           </a:fontRef>
         </p:style>
         <p:txBody>
@@ -7242,10 +7280,18 @@
           <a:p>
             <a:pPr algn="ctr"/>
             <a:r>
-              <a:rPr lang="en-US" dirty="0"/>
+              <a:rPr lang="en-US" sz="2000" dirty="0">
+                <a:solidFill>
+                  <a:schemeClr val="tx1"/>
+                </a:solidFill>
+              </a:rPr>
               <a:t>Procedure</a:t>
             </a:r>
-            <a:endParaRPr lang="ko-KR" altLang="en-US" dirty="0"/>
+            <a:endParaRPr lang="ko-KR" altLang="en-US" sz="2000" dirty="0">
+              <a:solidFill>
+                <a:schemeClr val="tx1"/>
+              </a:solidFill>
+            </a:endParaRPr>
           </a:p>
         </p:txBody>
       </p:sp>
@@ -7261,8 +7307,8 @@
         </p:nvCxnSpPr>
         <p:spPr>
           <a:xfrm>
-            <a:off x="7278511" y="2131184"/>
-            <a:ext cx="1049737" cy="624812"/>
+            <a:off x="8600731" y="2126902"/>
+            <a:ext cx="798138" cy="434437"/>
           </a:xfrm>
           <a:prstGeom prst="straightConnector1">
             <a:avLst/>
@@ -7275,14 +7321,14 @@
           <a:lnRef idx="2">
             <a:schemeClr val="dk1"/>
           </a:lnRef>
-          <a:fillRef idx="0">
-            <a:schemeClr val="dk1"/>
+          <a:fillRef idx="1">
+            <a:schemeClr val="lt1"/>
           </a:fillRef>
-          <a:effectRef idx="1">
+          <a:effectRef idx="0">
             <a:schemeClr val="dk1"/>
           </a:effectRef>
           <a:fontRef idx="minor">
-            <a:schemeClr val="tx1"/>
+            <a:schemeClr val="dk1"/>
           </a:fontRef>
         </p:style>
       </p:cxnSp>
@@ -7294,7 +7340,7 @@
         </p:nvSpPr>
         <p:spPr>
           <a:xfrm>
-            <a:off x="8328248" y="3082652"/>
+            <a:off x="9398869" y="2887995"/>
             <a:ext cx="1584176" cy="279986"/>
           </a:xfrm>
           <a:prstGeom prst="rect">
@@ -7303,18 +7349,16 @@
         </p:spPr>
         <p:style>
           <a:lnRef idx="2">
-            <a:schemeClr val="accent1">
-              <a:shade val="50000"/>
-            </a:schemeClr>
+            <a:schemeClr val="dk1"/>
           </a:lnRef>
           <a:fillRef idx="1">
-            <a:schemeClr val="accent1"/>
+            <a:schemeClr val="lt1"/>
           </a:fillRef>
           <a:effectRef idx="0">
-            <a:schemeClr val="accent1"/>
+            <a:schemeClr val="dk1"/>
           </a:effectRef>
           <a:fontRef idx="minor">
-            <a:schemeClr val="lt1"/>
+            <a:schemeClr val="dk1"/>
           </a:fontRef>
         </p:style>
         <p:txBody>
@@ -7323,7 +7367,11 @@
           <a:p>
             <a:pPr algn="ctr"/>
             <a:r>
-              <a:rPr lang="en-US" dirty="0"/>
+              <a:rPr lang="en-US" sz="2000" dirty="0">
+                <a:solidFill>
+                  <a:schemeClr val="tx1"/>
+                </a:solidFill>
+              </a:rPr>
               <a:t>Phenomenon</a:t>
             </a:r>
           </a:p>
@@ -7341,8 +7389,8 @@
         </p:nvCxnSpPr>
         <p:spPr>
           <a:xfrm>
-            <a:off x="7278511" y="2131184"/>
-            <a:ext cx="1049737" cy="1091461"/>
+            <a:off x="8600731" y="2126902"/>
+            <a:ext cx="798138" cy="901086"/>
           </a:xfrm>
           <a:prstGeom prst="straightConnector1">
             <a:avLst/>
@@ -7355,14 +7403,14 @@
           <a:lnRef idx="2">
             <a:schemeClr val="dk1"/>
           </a:lnRef>
-          <a:fillRef idx="0">
-            <a:schemeClr val="dk1"/>
+          <a:fillRef idx="1">
+            <a:schemeClr val="lt1"/>
           </a:fillRef>
-          <a:effectRef idx="1">
+          <a:effectRef idx="0">
             <a:schemeClr val="dk1"/>
           </a:effectRef>
           <a:fontRef idx="minor">
-            <a:schemeClr val="tx1"/>
+            <a:schemeClr val="dk1"/>
           </a:fontRef>
         </p:style>
       </p:cxnSp>
@@ -7374,7 +7422,7 @@
         </p:nvSpPr>
         <p:spPr>
           <a:xfrm>
-            <a:off x="8328248" y="3589954"/>
+            <a:off x="9398869" y="3395297"/>
             <a:ext cx="1584176" cy="576705"/>
           </a:xfrm>
           <a:prstGeom prst="rect">
@@ -7383,18 +7431,16 @@
         </p:spPr>
         <p:style>
           <a:lnRef idx="2">
-            <a:schemeClr val="accent1">
-              <a:shade val="50000"/>
-            </a:schemeClr>
+            <a:schemeClr val="dk1"/>
           </a:lnRef>
           <a:fillRef idx="1">
-            <a:schemeClr val="accent1"/>
+            <a:schemeClr val="lt1"/>
           </a:fillRef>
           <a:effectRef idx="0">
-            <a:schemeClr val="accent1"/>
+            <a:schemeClr val="dk1"/>
           </a:effectRef>
           <a:fontRef idx="minor">
-            <a:schemeClr val="lt1"/>
+            <a:schemeClr val="dk1"/>
           </a:fontRef>
         </p:style>
         <p:txBody>
@@ -7403,17 +7449,29 @@
           <a:p>
             <a:pPr algn="ctr"/>
             <a:r>
-              <a:rPr lang="en-US" dirty="0"/>
-              <a:t>Experiment </a:t>
+              <a:rPr lang="en-US" sz="2000" dirty="0">
+                <a:solidFill>
+                  <a:schemeClr val="tx1"/>
+                </a:solidFill>
+              </a:rPr>
+              <a:t>Experimental </a:t>
             </a:r>
           </a:p>
           <a:p>
             <a:pPr algn="ctr"/>
             <a:r>
-              <a:rPr lang="en-US" dirty="0"/>
-              <a:t>principle</a:t>
-            </a:r>
-            <a:endParaRPr lang="ko-KR" altLang="en-US" dirty="0"/>
+              <a:rPr lang="en-US" sz="2000" dirty="0">
+                <a:solidFill>
+                  <a:schemeClr val="tx1"/>
+                </a:solidFill>
+              </a:rPr>
+              <a:t>Principles</a:t>
+            </a:r>
+            <a:endParaRPr lang="ko-KR" altLang="en-US" sz="2000" dirty="0">
+              <a:solidFill>
+                <a:schemeClr val="tx1"/>
+              </a:solidFill>
+            </a:endParaRPr>
           </a:p>
         </p:txBody>
       </p:sp>
@@ -7429,8 +7487,8 @@
         </p:nvCxnSpPr>
         <p:spPr>
           <a:xfrm>
-            <a:off x="7278511" y="2131184"/>
-            <a:ext cx="1049737" cy="1747123"/>
+            <a:off x="8600731" y="2126902"/>
+            <a:ext cx="798138" cy="1556748"/>
           </a:xfrm>
           <a:prstGeom prst="straightConnector1">
             <a:avLst/>
@@ -7443,14 +7501,14 @@
           <a:lnRef idx="2">
             <a:schemeClr val="dk1"/>
           </a:lnRef>
-          <a:fillRef idx="0">
-            <a:schemeClr val="dk1"/>
+          <a:fillRef idx="1">
+            <a:schemeClr val="lt1"/>
           </a:fillRef>
-          <a:effectRef idx="1">
+          <a:effectRef idx="0">
             <a:schemeClr val="dk1"/>
           </a:effectRef>
           <a:fontRef idx="minor">
-            <a:schemeClr val="tx1"/>
+            <a:schemeClr val="dk1"/>
           </a:fontRef>
         </p:style>
       </p:cxnSp>
@@ -7462,8 +7520,8 @@
         </p:nvSpPr>
         <p:spPr>
           <a:xfrm>
-            <a:off x="2007583" y="4313451"/>
-            <a:ext cx="1440160" cy="504056"/>
+            <a:off x="2769962" y="4613604"/>
+            <a:ext cx="1600216" cy="504056"/>
           </a:xfrm>
           <a:prstGeom prst="rect">
             <a:avLst/>
@@ -7471,18 +7529,16 @@
         </p:spPr>
         <p:style>
           <a:lnRef idx="2">
-            <a:schemeClr val="accent1">
-              <a:shade val="50000"/>
-            </a:schemeClr>
+            <a:schemeClr val="dk1"/>
           </a:lnRef>
           <a:fillRef idx="1">
-            <a:schemeClr val="accent1"/>
+            <a:schemeClr val="lt1"/>
           </a:fillRef>
           <a:effectRef idx="0">
-            <a:schemeClr val="accent1"/>
+            <a:schemeClr val="dk1"/>
           </a:effectRef>
           <a:fontRef idx="minor">
-            <a:schemeClr val="lt1"/>
+            <a:schemeClr val="dk1"/>
           </a:fontRef>
         </p:style>
         <p:txBody>
@@ -7491,14 +7547,22 @@
           <a:p>
             <a:pPr algn="ctr"/>
             <a:r>
-              <a:rPr lang="en-US" dirty="0"/>
+              <a:rPr lang="en-US" sz="2000" dirty="0">
+                <a:solidFill>
+                  <a:schemeClr val="tx1"/>
+                </a:solidFill>
+              </a:rPr>
               <a:t>Expansive </a:t>
             </a:r>
           </a:p>
           <a:p>
             <a:pPr algn="ctr"/>
             <a:r>
-              <a:rPr lang="en-US" dirty="0"/>
+              <a:rPr lang="en-US" sz="2000" dirty="0">
+                <a:solidFill>
+                  <a:schemeClr val="tx1"/>
+                </a:solidFill>
+              </a:rPr>
               <a:t>Learning</a:t>
             </a:r>
           </a:p>
@@ -7512,7 +7576,7 @@
         </p:nvSpPr>
         <p:spPr>
           <a:xfrm>
-            <a:off x="4063658" y="4708561"/>
+            <a:off x="4753734" y="5069349"/>
             <a:ext cx="1818202" cy="279986"/>
           </a:xfrm>
           <a:prstGeom prst="rect">
@@ -7521,18 +7585,16 @@
         </p:spPr>
         <p:style>
           <a:lnRef idx="2">
-            <a:schemeClr val="accent1">
-              <a:shade val="50000"/>
-            </a:schemeClr>
+            <a:schemeClr val="dk1"/>
           </a:lnRef>
           <a:fillRef idx="1">
-            <a:schemeClr val="accent1"/>
+            <a:schemeClr val="lt1"/>
           </a:fillRef>
           <a:effectRef idx="0">
-            <a:schemeClr val="accent1"/>
+            <a:schemeClr val="dk1"/>
           </a:effectRef>
           <a:fontRef idx="minor">
-            <a:schemeClr val="lt1"/>
+            <a:schemeClr val="dk1"/>
           </a:fontRef>
         </p:style>
         <p:txBody>
@@ -7541,10 +7603,18 @@
           <a:p>
             <a:pPr algn="ctr"/>
             <a:r>
-              <a:rPr lang="en-US" altLang="ko-KR" dirty="0"/>
+              <a:rPr lang="en-US" altLang="ko-KR" sz="2000" dirty="0">
+                <a:solidFill>
+                  <a:schemeClr val="tx1"/>
+                </a:solidFill>
+              </a:rPr>
               <a:t>Mark AR</a:t>
             </a:r>
-            <a:endParaRPr lang="ko-KR" altLang="en-US" dirty="0"/>
+            <a:endParaRPr lang="ko-KR" altLang="en-US" sz="2000" dirty="0">
+              <a:solidFill>
+                <a:schemeClr val="tx1"/>
+              </a:solidFill>
+            </a:endParaRPr>
           </a:p>
         </p:txBody>
       </p:sp>
@@ -7556,8 +7626,8 @@
         </p:nvSpPr>
         <p:spPr>
           <a:xfrm>
-            <a:off x="4049502" y="3989226"/>
-            <a:ext cx="1818202" cy="515618"/>
+            <a:off x="4739578" y="4338284"/>
+            <a:ext cx="1832358" cy="527348"/>
           </a:xfrm>
           <a:prstGeom prst="rect">
             <a:avLst/>
@@ -7565,18 +7635,16 @@
         </p:spPr>
         <p:style>
           <a:lnRef idx="2">
-            <a:schemeClr val="accent1">
-              <a:shade val="50000"/>
-            </a:schemeClr>
+            <a:schemeClr val="dk1"/>
           </a:lnRef>
           <a:fillRef idx="1">
-            <a:schemeClr val="accent1"/>
+            <a:schemeClr val="lt1"/>
           </a:fillRef>
           <a:effectRef idx="0">
-            <a:schemeClr val="accent1"/>
+            <a:schemeClr val="dk1"/>
           </a:effectRef>
           <a:fontRef idx="minor">
-            <a:schemeClr val="lt1"/>
+            <a:schemeClr val="dk1"/>
           </a:fontRef>
         </p:style>
         <p:txBody>
@@ -7585,16 +7653,16 @@
           <a:p>
             <a:pPr algn="ctr"/>
             <a:r>
-              <a:rPr lang="en-US" altLang="ko-KR" dirty="0">
+              <a:rPr lang="en-US" altLang="ko-KR" sz="2000" dirty="0">
                 <a:solidFill>
-                  <a:schemeClr val="bg1"/>
+                  <a:schemeClr val="tx1"/>
                 </a:solidFill>
               </a:rPr>
               <a:t>Periodic table of Elements</a:t>
             </a:r>
-            <a:endParaRPr lang="ko-KR" altLang="en-US" dirty="0">
+            <a:endParaRPr lang="ko-KR" altLang="en-US" sz="2000" dirty="0">
               <a:solidFill>
-                <a:schemeClr val="bg1"/>
+                <a:schemeClr val="tx1"/>
               </a:solidFill>
             </a:endParaRPr>
           </a:p>
@@ -7612,8 +7680,8 @@
         </p:nvCxnSpPr>
         <p:spPr>
           <a:xfrm flipV="1">
-            <a:off x="3447743" y="4247035"/>
-            <a:ext cx="601759" cy="318444"/>
+            <a:off x="4370178" y="4601958"/>
+            <a:ext cx="369400" cy="263674"/>
           </a:xfrm>
           <a:prstGeom prst="straightConnector1">
             <a:avLst/>
@@ -7626,14 +7694,14 @@
           <a:lnRef idx="2">
             <a:schemeClr val="dk1"/>
           </a:lnRef>
-          <a:fillRef idx="0">
-            <a:schemeClr val="dk1"/>
+          <a:fillRef idx="1">
+            <a:schemeClr val="lt1"/>
           </a:fillRef>
-          <a:effectRef idx="1">
+          <a:effectRef idx="0">
             <a:schemeClr val="dk1"/>
           </a:effectRef>
           <a:fontRef idx="minor">
-            <a:schemeClr val="tx1"/>
+            <a:schemeClr val="dk1"/>
           </a:fontRef>
         </p:style>
       </p:cxnSp>
@@ -7649,8 +7717,8 @@
         </p:nvCxnSpPr>
         <p:spPr>
           <a:xfrm>
-            <a:off x="3447743" y="4565479"/>
-            <a:ext cx="615915" cy="283075"/>
+            <a:off x="4370178" y="4865632"/>
+            <a:ext cx="383556" cy="343710"/>
           </a:xfrm>
           <a:prstGeom prst="straightConnector1">
             <a:avLst/>
@@ -7663,14 +7731,14 @@
           <a:lnRef idx="2">
             <a:schemeClr val="dk1"/>
           </a:lnRef>
-          <a:fillRef idx="0">
-            <a:schemeClr val="dk1"/>
+          <a:fillRef idx="1">
+            <a:schemeClr val="lt1"/>
           </a:fillRef>
-          <a:effectRef idx="1">
+          <a:effectRef idx="0">
             <a:schemeClr val="dk1"/>
           </a:effectRef>
           <a:fontRef idx="minor">
-            <a:schemeClr val="tx1"/>
+            <a:schemeClr val="dk1"/>
           </a:fontRef>
         </p:style>
       </p:cxnSp>
@@ -7682,7 +7750,7 @@
         </p:nvSpPr>
         <p:spPr>
           <a:xfrm>
-            <a:off x="4063658" y="5201867"/>
+            <a:off x="4753734" y="5562655"/>
             <a:ext cx="1818202" cy="279986"/>
           </a:xfrm>
           <a:prstGeom prst="rect">
@@ -7691,18 +7759,16 @@
         </p:spPr>
         <p:style>
           <a:lnRef idx="2">
-            <a:schemeClr val="accent1">
-              <a:shade val="50000"/>
-            </a:schemeClr>
+            <a:schemeClr val="dk1"/>
           </a:lnRef>
           <a:fillRef idx="1">
-            <a:schemeClr val="accent1"/>
+            <a:schemeClr val="lt1"/>
           </a:fillRef>
           <a:effectRef idx="0">
-            <a:schemeClr val="accent1"/>
+            <a:schemeClr val="dk1"/>
           </a:effectRef>
           <a:fontRef idx="minor">
-            <a:schemeClr val="lt1"/>
+            <a:schemeClr val="dk1"/>
           </a:fontRef>
         </p:style>
         <p:txBody>
@@ -7711,10 +7777,18 @@
           <a:p>
             <a:pPr algn="ctr"/>
             <a:r>
-              <a:rPr lang="en-US" altLang="ko-KR" dirty="0"/>
+              <a:rPr lang="en-US" altLang="ko-KR" sz="2000" dirty="0">
+                <a:solidFill>
+                  <a:schemeClr val="tx1"/>
+                </a:solidFill>
+              </a:rPr>
               <a:t>…</a:t>
             </a:r>
-            <a:endParaRPr lang="ko-KR" altLang="en-US" dirty="0"/>
+            <a:endParaRPr lang="ko-KR" altLang="en-US" sz="2000" dirty="0">
+              <a:solidFill>
+                <a:schemeClr val="tx1"/>
+              </a:solidFill>
+            </a:endParaRPr>
           </a:p>
         </p:txBody>
       </p:sp>
@@ -7730,8 +7804,8 @@
         </p:nvCxnSpPr>
         <p:spPr>
           <a:xfrm>
-            <a:off x="3447743" y="4565479"/>
-            <a:ext cx="615915" cy="776381"/>
+            <a:off x="4370178" y="4865632"/>
+            <a:ext cx="383556" cy="837016"/>
           </a:xfrm>
           <a:prstGeom prst="straightConnector1">
             <a:avLst/>
@@ -7744,14 +7818,14 @@
           <a:lnRef idx="2">
             <a:schemeClr val="dk1"/>
           </a:lnRef>
-          <a:fillRef idx="0">
-            <a:schemeClr val="dk1"/>
+          <a:fillRef idx="1">
+            <a:schemeClr val="lt1"/>
           </a:fillRef>
-          <a:effectRef idx="1">
+          <a:effectRef idx="0">
             <a:schemeClr val="dk1"/>
           </a:effectRef>
           <a:fontRef idx="minor">
-            <a:schemeClr val="tx1"/>
+            <a:schemeClr val="dk1"/>
           </a:fontRef>
         </p:style>
       </p:cxnSp>
@@ -7763,7 +7837,7 @@
         </p:nvSpPr>
         <p:spPr>
           <a:xfrm>
-            <a:off x="6223898" y="4086927"/>
+            <a:off x="7105763" y="4547332"/>
             <a:ext cx="666074" cy="279986"/>
           </a:xfrm>
           <a:prstGeom prst="rect">
@@ -7772,18 +7846,16 @@
         </p:spPr>
         <p:style>
           <a:lnRef idx="2">
-            <a:schemeClr val="accent1">
-              <a:shade val="50000"/>
-            </a:schemeClr>
+            <a:schemeClr val="dk1"/>
           </a:lnRef>
           <a:fillRef idx="1">
-            <a:schemeClr val="accent1"/>
+            <a:schemeClr val="lt1"/>
           </a:fillRef>
           <a:effectRef idx="0">
-            <a:schemeClr val="accent1"/>
+            <a:schemeClr val="dk1"/>
           </a:effectRef>
           <a:fontRef idx="minor">
-            <a:schemeClr val="lt1"/>
+            <a:schemeClr val="dk1"/>
           </a:fontRef>
         </p:style>
         <p:txBody>
@@ -7792,14 +7864,26 @@
           <a:p>
             <a:pPr algn="ctr"/>
             <a:r>
-              <a:rPr lang="en-US" altLang="ko-KR" dirty="0"/>
+              <a:rPr lang="en-US" altLang="ko-KR" sz="2000" dirty="0">
+                <a:solidFill>
+                  <a:schemeClr val="tx1"/>
+                </a:solidFill>
+              </a:rPr>
               <a:t>N</a:t>
             </a:r>
             <a:r>
-              <a:rPr lang="en-US" altLang="zh-CN" dirty="0"/>
+              <a:rPr lang="en-US" altLang="zh-CN" sz="2000" dirty="0">
+                <a:solidFill>
+                  <a:schemeClr val="tx1"/>
+                </a:solidFill>
+              </a:rPr>
               <a:t>a</a:t>
             </a:r>
-            <a:endParaRPr lang="ko-KR" altLang="en-US" dirty="0"/>
+            <a:endParaRPr lang="ko-KR" altLang="en-US" sz="2000" dirty="0">
+              <a:solidFill>
+                <a:schemeClr val="tx1"/>
+              </a:solidFill>
+            </a:endParaRPr>
           </a:p>
         </p:txBody>
       </p:sp>
@@ -7814,9 +7898,9 @@
           <p:nvPr/>
         </p:nvCxnSpPr>
         <p:spPr>
-          <a:xfrm flipV="1">
-            <a:off x="5867704" y="4226920"/>
-            <a:ext cx="356194" cy="20115"/>
+          <a:xfrm>
+            <a:off x="6571936" y="4601958"/>
+            <a:ext cx="533827" cy="85367"/>
           </a:xfrm>
           <a:prstGeom prst="straightConnector1">
             <a:avLst/>
@@ -7829,14 +7913,14 @@
           <a:lnRef idx="2">
             <a:schemeClr val="dk1"/>
           </a:lnRef>
-          <a:fillRef idx="0">
-            <a:schemeClr val="dk1"/>
+          <a:fillRef idx="1">
+            <a:schemeClr val="lt1"/>
           </a:fillRef>
-          <a:effectRef idx="1">
+          <a:effectRef idx="0">
             <a:schemeClr val="dk1"/>
           </a:effectRef>
           <a:fontRef idx="minor">
-            <a:schemeClr val="tx1"/>
+            <a:schemeClr val="dk1"/>
           </a:fontRef>
         </p:style>
       </p:cxnSp>
@@ -7848,8 +7932,8 @@
         </p:nvSpPr>
         <p:spPr>
           <a:xfrm>
-            <a:off x="7910654" y="4584575"/>
-            <a:ext cx="2001771" cy="612516"/>
+            <a:off x="8600732" y="4791677"/>
+            <a:ext cx="2319806" cy="612516"/>
           </a:xfrm>
           <a:prstGeom prst="rect">
             <a:avLst/>
@@ -7857,18 +7941,16 @@
         </p:spPr>
         <p:style>
           <a:lnRef idx="2">
-            <a:schemeClr val="accent1">
-              <a:shade val="50000"/>
-            </a:schemeClr>
+            <a:schemeClr val="dk1"/>
           </a:lnRef>
           <a:fillRef idx="1">
-            <a:schemeClr val="accent1"/>
+            <a:schemeClr val="lt1"/>
           </a:fillRef>
           <a:effectRef idx="0">
-            <a:schemeClr val="accent1"/>
+            <a:schemeClr val="dk1"/>
           </a:effectRef>
           <a:fontRef idx="minor">
-            <a:schemeClr val="lt1"/>
+            <a:schemeClr val="dk1"/>
           </a:fontRef>
         </p:style>
         <p:txBody>
@@ -7877,10 +7959,18 @@
           <a:p>
             <a:pPr algn="ctr"/>
             <a:r>
-              <a:rPr lang="en-US" dirty="0"/>
+              <a:rPr lang="en-US" sz="2000" dirty="0">
+                <a:solidFill>
+                  <a:schemeClr val="tx1"/>
+                </a:solidFill>
+              </a:rPr>
               <a:t>Atomic Structure(dynamic)</a:t>
             </a:r>
-            <a:endParaRPr lang="ko-KR" altLang="en-US" dirty="0"/>
+            <a:endParaRPr lang="ko-KR" altLang="en-US" sz="2000" dirty="0">
+              <a:solidFill>
+                <a:schemeClr val="tx1"/>
+              </a:solidFill>
+            </a:endParaRPr>
           </a:p>
         </p:txBody>
       </p:sp>
@@ -7896,8 +7986,8 @@
         </p:nvCxnSpPr>
         <p:spPr>
           <a:xfrm>
-            <a:off x="6889972" y="4226920"/>
-            <a:ext cx="1020682" cy="663913"/>
+            <a:off x="7771837" y="4687325"/>
+            <a:ext cx="828895" cy="410610"/>
           </a:xfrm>
           <a:prstGeom prst="straightConnector1">
             <a:avLst/>
@@ -7910,14 +8000,14 @@
           <a:lnRef idx="2">
             <a:schemeClr val="dk1"/>
           </a:lnRef>
-          <a:fillRef idx="0">
-            <a:schemeClr val="dk1"/>
+          <a:fillRef idx="1">
+            <a:schemeClr val="lt1"/>
           </a:fillRef>
-          <a:effectRef idx="1">
+          <a:effectRef idx="0">
             <a:schemeClr val="dk1"/>
           </a:effectRef>
           <a:fontRef idx="minor">
-            <a:schemeClr val="tx1"/>
+            <a:schemeClr val="dk1"/>
           </a:fontRef>
         </p:style>
       </p:cxnSp>
@@ -7929,7 +8019,7 @@
         </p:nvSpPr>
         <p:spPr>
           <a:xfrm>
-            <a:off x="6223898" y="4465392"/>
+            <a:off x="7105763" y="4925797"/>
             <a:ext cx="666074" cy="279986"/>
           </a:xfrm>
           <a:prstGeom prst="rect">
@@ -7938,18 +8028,16 @@
         </p:spPr>
         <p:style>
           <a:lnRef idx="2">
-            <a:schemeClr val="accent1">
-              <a:shade val="50000"/>
-            </a:schemeClr>
+            <a:schemeClr val="dk1"/>
           </a:lnRef>
           <a:fillRef idx="1">
-            <a:schemeClr val="accent1"/>
+            <a:schemeClr val="lt1"/>
           </a:fillRef>
           <a:effectRef idx="0">
-            <a:schemeClr val="accent1"/>
+            <a:schemeClr val="dk1"/>
           </a:effectRef>
           <a:fontRef idx="minor">
-            <a:schemeClr val="lt1"/>
+            <a:schemeClr val="dk1"/>
           </a:fontRef>
         </p:style>
         <p:txBody>
@@ -7958,14 +8046,26 @@
           <a:p>
             <a:pPr algn="ctr"/>
             <a:r>
-              <a:rPr lang="en-US" altLang="ko-KR" dirty="0"/>
+              <a:rPr lang="en-US" altLang="ko-KR" sz="2000" dirty="0">
+                <a:solidFill>
+                  <a:schemeClr val="tx1"/>
+                </a:solidFill>
+              </a:rPr>
               <a:t>C</a:t>
             </a:r>
             <a:r>
-              <a:rPr lang="en-US" altLang="zh-CN" dirty="0"/>
+              <a:rPr lang="en-US" altLang="zh-CN" sz="2000" dirty="0">
+                <a:solidFill>
+                  <a:schemeClr val="tx1"/>
+                </a:solidFill>
+              </a:rPr>
               <a:t>l</a:t>
             </a:r>
-            <a:endParaRPr lang="ko-KR" altLang="en-US" dirty="0"/>
+            <a:endParaRPr lang="ko-KR" altLang="en-US" sz="2000" dirty="0">
+              <a:solidFill>
+                <a:schemeClr val="tx1"/>
+              </a:solidFill>
+            </a:endParaRPr>
           </a:p>
         </p:txBody>
       </p:sp>
@@ -7975,13 +8075,14 @@
           <p:cNvCxnSpPr>
             <a:cxnSpLocks/>
             <a:stCxn id="86" idx="3"/>
+            <a:endCxn id="111" idx="1"/>
           </p:cNvCxnSpPr>
           <p:nvPr/>
         </p:nvCxnSpPr>
         <p:spPr>
           <a:xfrm>
-            <a:off x="5867704" y="4247035"/>
-            <a:ext cx="342038" cy="359466"/>
+            <a:off x="6571936" y="4601958"/>
+            <a:ext cx="533827" cy="463832"/>
           </a:xfrm>
           <a:prstGeom prst="straightConnector1">
             <a:avLst/>
@@ -7994,50 +8095,14 @@
           <a:lnRef idx="2">
             <a:schemeClr val="dk1"/>
           </a:lnRef>
-          <a:fillRef idx="0">
-            <a:schemeClr val="dk1"/>
+          <a:fillRef idx="1">
+            <a:schemeClr val="lt1"/>
           </a:fillRef>
-          <a:effectRef idx="1">
+          <a:effectRef idx="0">
             <a:schemeClr val="dk1"/>
           </a:effectRef>
           <a:fontRef idx="minor">
-            <a:schemeClr val="tx1"/>
-          </a:fontRef>
-        </p:style>
-      </p:cxnSp>
-      <p:cxnSp>
-        <p:nvCxnSpPr>
-          <p:cNvPr id="116" name="직선 화살표 연결선 115"/>
-          <p:cNvCxnSpPr>
-            <a:cxnSpLocks/>
-            <a:endCxn id="104" idx="1"/>
-          </p:cNvCxnSpPr>
-          <p:nvPr/>
-        </p:nvCxnSpPr>
-        <p:spPr>
-          <a:xfrm>
-            <a:off x="5881860" y="4848554"/>
-            <a:ext cx="2028794" cy="42279"/>
-          </a:xfrm>
-          <a:prstGeom prst="straightConnector1">
-            <a:avLst/>
-          </a:prstGeom>
-          <a:ln>
-            <a:tailEnd type="arrow"/>
-          </a:ln>
-        </p:spPr>
-        <p:style>
-          <a:lnRef idx="2">
-            <a:schemeClr val="dk1"/>
-          </a:lnRef>
-          <a:fillRef idx="0">
-            <a:schemeClr val="dk1"/>
-          </a:fillRef>
-          <a:effectRef idx="1">
-            <a:schemeClr val="dk1"/>
-          </a:effectRef>
-          <a:fontRef idx="minor">
-            <a:schemeClr val="tx1"/>
+            <a:schemeClr val="dk1"/>
           </a:fontRef>
         </p:style>
       </p:cxnSp>
@@ -8052,8 +8117,8 @@
         </p:nvCxnSpPr>
         <p:spPr>
           <a:xfrm flipV="1">
-            <a:off x="5881860" y="4605385"/>
-            <a:ext cx="342038" cy="243169"/>
+            <a:off x="6571936" y="5065790"/>
+            <a:ext cx="533827" cy="143552"/>
           </a:xfrm>
           <a:prstGeom prst="straightConnector1">
             <a:avLst/>
@@ -8066,14 +8131,14 @@
           <a:lnRef idx="2">
             <a:schemeClr val="dk1"/>
           </a:lnRef>
-          <a:fillRef idx="0">
-            <a:schemeClr val="dk1"/>
+          <a:fillRef idx="1">
+            <a:schemeClr val="lt1"/>
           </a:fillRef>
-          <a:effectRef idx="1">
+          <a:effectRef idx="0">
             <a:schemeClr val="dk1"/>
           </a:effectRef>
           <a:fontRef idx="minor">
-            <a:schemeClr val="tx1"/>
+            <a:schemeClr val="dk1"/>
           </a:fontRef>
         </p:style>
       </p:cxnSp>
@@ -8082,14 +8147,15 @@
           <p:cNvPr id="128" name="직선 화살표 연결선 127"/>
           <p:cNvCxnSpPr>
             <a:cxnSpLocks/>
+            <a:stCxn id="4" idx="1"/>
             <a:endCxn id="5" idx="1"/>
           </p:cNvCxnSpPr>
           <p:nvPr/>
         </p:nvCxnSpPr>
         <p:spPr>
-          <a:xfrm>
-            <a:off x="1709054" y="2343306"/>
-            <a:ext cx="306034" cy="0"/>
+          <a:xfrm flipV="1">
+            <a:off x="2401705" y="2396128"/>
+            <a:ext cx="368257" cy="1469323"/>
           </a:xfrm>
           <a:prstGeom prst="straightConnector1">
             <a:avLst/>
@@ -8102,27 +8168,31 @@
           <a:lnRef idx="2">
             <a:schemeClr val="dk1"/>
           </a:lnRef>
-          <a:fillRef idx="0">
-            <a:schemeClr val="dk1"/>
+          <a:fillRef idx="1">
+            <a:schemeClr val="lt1"/>
           </a:fillRef>
-          <a:effectRef idx="1">
+          <a:effectRef idx="0">
             <a:schemeClr val="dk1"/>
           </a:effectRef>
           <a:fontRef idx="minor">
-            <a:schemeClr val="tx1"/>
+            <a:schemeClr val="dk1"/>
           </a:fontRef>
         </p:style>
       </p:cxnSp>
       <p:cxnSp>
         <p:nvCxnSpPr>
           <p:cNvPr id="129" name="직선 화살표 연결선 128"/>
-          <p:cNvCxnSpPr/>
+          <p:cNvCxnSpPr>
+            <a:cxnSpLocks/>
+            <a:stCxn id="4" idx="1"/>
+            <a:endCxn id="45" idx="1"/>
+          </p:cNvCxnSpPr>
           <p:nvPr/>
         </p:nvCxnSpPr>
         <p:spPr>
           <a:xfrm>
-            <a:off x="1701549" y="2355376"/>
-            <a:ext cx="306034" cy="2282449"/>
+            <a:off x="2401705" y="3865451"/>
+            <a:ext cx="368257" cy="1000181"/>
           </a:xfrm>
           <a:prstGeom prst="straightConnector1">
             <a:avLst/>
@@ -8135,14 +8205,14 @@
           <a:lnRef idx="2">
             <a:schemeClr val="dk1"/>
           </a:lnRef>
-          <a:fillRef idx="0">
-            <a:schemeClr val="dk1"/>
+          <a:fillRef idx="1">
+            <a:schemeClr val="lt1"/>
           </a:fillRef>
-          <a:effectRef idx="1">
+          <a:effectRef idx="0">
             <a:schemeClr val="dk1"/>
           </a:effectRef>
           <a:fontRef idx="minor">
-            <a:schemeClr val="tx1"/>
+            <a:schemeClr val="dk1"/>
           </a:fontRef>
         </p:style>
       </p:cxnSp>
@@ -8164,8 +8234,8 @@
         </p:nvCxnSpPr>
         <p:spPr>
           <a:xfrm>
-            <a:off x="6889972" y="4605385"/>
-            <a:ext cx="1020682" cy="285448"/>
+            <a:off x="7771837" y="5065790"/>
+            <a:ext cx="828895" cy="32145"/>
           </a:xfrm>
           <a:prstGeom prst="straightConnector1">
             <a:avLst/>
@@ -8178,14 +8248,14 @@
           <a:lnRef idx="2">
             <a:schemeClr val="dk1"/>
           </a:lnRef>
-          <a:fillRef idx="0">
-            <a:schemeClr val="dk1"/>
+          <a:fillRef idx="1">
+            <a:schemeClr val="lt1"/>
           </a:fillRef>
-          <a:effectRef idx="1">
+          <a:effectRef idx="0">
             <a:schemeClr val="dk1"/>
           </a:effectRef>
           <a:fontRef idx="minor">
-            <a:schemeClr val="tx1"/>
+            <a:schemeClr val="dk1"/>
           </a:fontRef>
         </p:style>
       </p:cxnSp>
@@ -8203,7 +8273,7 @@
         </p:nvSpPr>
         <p:spPr>
           <a:xfrm>
-            <a:off x="6223898" y="4837373"/>
+            <a:off x="7105763" y="5297778"/>
             <a:ext cx="666074" cy="279986"/>
           </a:xfrm>
           <a:prstGeom prst="rect">
@@ -8212,18 +8282,16 @@
         </p:spPr>
         <p:style>
           <a:lnRef idx="2">
-            <a:schemeClr val="accent1">
-              <a:shade val="50000"/>
-            </a:schemeClr>
+            <a:schemeClr val="dk1"/>
           </a:lnRef>
           <a:fillRef idx="1">
-            <a:schemeClr val="accent1"/>
+            <a:schemeClr val="lt1"/>
           </a:fillRef>
           <a:effectRef idx="0">
-            <a:schemeClr val="accent1"/>
+            <a:schemeClr val="dk1"/>
           </a:effectRef>
           <a:fontRef idx="minor">
-            <a:schemeClr val="lt1"/>
+            <a:schemeClr val="dk1"/>
           </a:fontRef>
         </p:style>
         <p:txBody>
@@ -8232,10 +8300,18 @@
           <a:p>
             <a:pPr algn="ctr"/>
             <a:r>
-              <a:rPr lang="en-US" altLang="ko-KR" dirty="0"/>
+              <a:rPr lang="en-US" altLang="ko-KR" sz="2000" dirty="0">
+                <a:solidFill>
+                  <a:schemeClr val="tx1"/>
+                </a:solidFill>
+              </a:rPr>
               <a:t>…</a:t>
             </a:r>
-            <a:endParaRPr lang="ko-KR" altLang="en-US" dirty="0"/>
+            <a:endParaRPr lang="ko-KR" altLang="en-US" sz="2000" dirty="0">
+              <a:solidFill>
+                <a:schemeClr val="tx1"/>
+              </a:solidFill>
+            </a:endParaRPr>
           </a:p>
         </p:txBody>
       </p:sp>
@@ -8257,8 +8333,8 @@
         </p:nvCxnSpPr>
         <p:spPr>
           <a:xfrm>
-            <a:off x="5881860" y="4848554"/>
-            <a:ext cx="342038" cy="128812"/>
+            <a:off x="6571936" y="5209342"/>
+            <a:ext cx="533827" cy="228429"/>
           </a:xfrm>
           <a:prstGeom prst="straightConnector1">
             <a:avLst/>
@@ -8271,14 +8347,14 @@
           <a:lnRef idx="2">
             <a:schemeClr val="dk1"/>
           </a:lnRef>
-          <a:fillRef idx="0">
-            <a:schemeClr val="dk1"/>
+          <a:fillRef idx="1">
+            <a:schemeClr val="lt1"/>
           </a:fillRef>
-          <a:effectRef idx="1">
+          <a:effectRef idx="0">
             <a:schemeClr val="dk1"/>
           </a:effectRef>
           <a:fontRef idx="minor">
-            <a:schemeClr val="tx1"/>
+            <a:schemeClr val="dk1"/>
           </a:fontRef>
         </p:style>
       </p:cxnSp>
@@ -8300,8 +8376,8 @@
         </p:nvCxnSpPr>
         <p:spPr>
           <a:xfrm flipV="1">
-            <a:off x="6889972" y="4890833"/>
-            <a:ext cx="1020682" cy="86533"/>
+            <a:off x="7771837" y="5097935"/>
+            <a:ext cx="828895" cy="339836"/>
           </a:xfrm>
           <a:prstGeom prst="straightConnector1">
             <a:avLst/>
@@ -8314,14 +8390,14 @@
           <a:lnRef idx="2">
             <a:schemeClr val="dk1"/>
           </a:lnRef>
-          <a:fillRef idx="0">
-            <a:schemeClr val="dk1"/>
+          <a:fillRef idx="1">
+            <a:schemeClr val="lt1"/>
           </a:fillRef>
-          <a:effectRef idx="1">
+          <a:effectRef idx="0">
             <a:schemeClr val="dk1"/>
           </a:effectRef>
           <a:fontRef idx="minor">
-            <a:schemeClr val="tx1"/>
+            <a:schemeClr val="dk1"/>
           </a:fontRef>
         </p:style>
       </p:cxnSp>
@@ -8341,8 +8417,8 @@
         </p:nvSpPr>
         <p:spPr>
           <a:xfrm>
-            <a:off x="756393" y="307902"/>
-            <a:ext cx="7772400" cy="1143000"/>
+            <a:off x="-21364" y="14407"/>
+            <a:ext cx="2255739" cy="717603"/>
           </a:xfrm>
           <a:prstGeom prst="rect">
             <a:avLst/>
@@ -8373,10 +8449,163 @@
           </a:lstStyle>
           <a:p>
             <a:r>
-              <a:rPr lang="en-US" altLang="zh-CN"/>
+              <a:rPr lang="en-US" altLang="zh-CN" dirty="0"/>
               <a:t>Menu UI</a:t>
             </a:r>
             <a:endParaRPr lang="ko-KR" altLang="en-US" dirty="0"/>
+          </a:p>
+        </p:txBody>
+      </p:sp>
+      <p:sp>
+        <p:nvSpPr>
+          <p:cNvPr id="2" name="矩形 1">
+            <a:extLst>
+              <a:ext uri="{FF2B5EF4-FFF2-40B4-BE49-F238E27FC236}">
+                <a16:creationId xmlns:a16="http://schemas.microsoft.com/office/drawing/2014/main" id="{4E5C4E2D-C4C6-4BB9-AC0D-2210156212F2}"/>
+              </a:ext>
+            </a:extLst>
+          </p:cNvPr>
+          <p:cNvSpPr/>
+          <p:nvPr/>
+        </p:nvSpPr>
+        <p:spPr>
+          <a:xfrm>
+            <a:off x="1366978" y="3117504"/>
+            <a:ext cx="1034726" cy="1176488"/>
+          </a:xfrm>
+          <a:prstGeom prst="rect">
+            <a:avLst/>
+          </a:prstGeom>
+        </p:spPr>
+        <p:style>
+          <a:lnRef idx="2">
+            <a:schemeClr val="dk1"/>
+          </a:lnRef>
+          <a:fillRef idx="1">
+            <a:schemeClr val="lt1"/>
+          </a:fillRef>
+          <a:effectRef idx="0">
+            <a:schemeClr val="dk1"/>
+          </a:effectRef>
+          <a:fontRef idx="minor">
+            <a:schemeClr val="dk1"/>
+          </a:fontRef>
+        </p:style>
+        <p:txBody>
+          <a:bodyPr rtlCol="0" anchor="ctr"/>
+          <a:lstStyle/>
+          <a:p>
+            <a:pPr algn="ctr"/>
+            <a:r>
+              <a:rPr lang="en-US" sz="2000" dirty="0">
+                <a:solidFill>
+                  <a:schemeClr val="tx1"/>
+                </a:solidFill>
+              </a:rPr>
+              <a:t>Main Menu</a:t>
+            </a:r>
+          </a:p>
+        </p:txBody>
+      </p:sp>
+      <p:sp>
+        <p:nvSpPr>
+          <p:cNvPr id="64" name="箭头: 右 63">
+            <a:extLst>
+              <a:ext uri="{FF2B5EF4-FFF2-40B4-BE49-F238E27FC236}">
+                <a16:creationId xmlns:a16="http://schemas.microsoft.com/office/drawing/2014/main" id="{0D520063-96D1-47C7-99B4-2DFB4B1B2D2C}"/>
+              </a:ext>
+            </a:extLst>
+          </p:cNvPr>
+          <p:cNvSpPr/>
+          <p:nvPr/>
+        </p:nvSpPr>
+        <p:spPr>
+          <a:xfrm>
+            <a:off x="1493610" y="1967587"/>
+            <a:ext cx="965160" cy="821909"/>
+          </a:xfrm>
+          <a:prstGeom prst="rightArrow">
+            <a:avLst/>
+          </a:prstGeom>
+        </p:spPr>
+        <p:style>
+          <a:lnRef idx="2">
+            <a:schemeClr val="dk1"/>
+          </a:lnRef>
+          <a:fillRef idx="1">
+            <a:schemeClr val="lt1"/>
+          </a:fillRef>
+          <a:effectRef idx="0">
+            <a:schemeClr val="dk1"/>
+          </a:effectRef>
+          <a:fontRef idx="minor">
+            <a:schemeClr val="dk1"/>
+          </a:fontRef>
+        </p:style>
+        <p:txBody>
+          <a:bodyPr rtlCol="0" anchor="ctr"/>
+          <a:lstStyle/>
+          <a:p>
+            <a:pPr algn="ctr"/>
+            <a:r>
+              <a:rPr lang="en-US" dirty="0">
+                <a:solidFill>
+                  <a:schemeClr val="tx1"/>
+                </a:solidFill>
+              </a:rPr>
+              <a:t>VR</a:t>
+            </a:r>
+          </a:p>
+        </p:txBody>
+      </p:sp>
+      <p:sp>
+        <p:nvSpPr>
+          <p:cNvPr id="95" name="箭头: 右 94">
+            <a:extLst>
+              <a:ext uri="{FF2B5EF4-FFF2-40B4-BE49-F238E27FC236}">
+                <a16:creationId xmlns:a16="http://schemas.microsoft.com/office/drawing/2014/main" id="{0E0D93DC-3361-410A-83C0-EE248C842EBA}"/>
+              </a:ext>
+            </a:extLst>
+          </p:cNvPr>
+          <p:cNvSpPr/>
+          <p:nvPr/>
+        </p:nvSpPr>
+        <p:spPr>
+          <a:xfrm>
+            <a:off x="1454612" y="4383874"/>
+            <a:ext cx="965160" cy="821909"/>
+          </a:xfrm>
+          <a:prstGeom prst="rightArrow">
+            <a:avLst/>
+          </a:prstGeom>
+        </p:spPr>
+        <p:style>
+          <a:lnRef idx="2">
+            <a:schemeClr val="dk1"/>
+          </a:lnRef>
+          <a:fillRef idx="1">
+            <a:schemeClr val="lt1"/>
+          </a:fillRef>
+          <a:effectRef idx="0">
+            <a:schemeClr val="dk1"/>
+          </a:effectRef>
+          <a:fontRef idx="minor">
+            <a:schemeClr val="dk1"/>
+          </a:fontRef>
+        </p:style>
+        <p:txBody>
+          <a:bodyPr rtlCol="0" anchor="ctr"/>
+          <a:lstStyle/>
+          <a:p>
+            <a:pPr algn="ctr"/>
+            <a:r>
+              <a:rPr lang="en-US" dirty="0">
+                <a:solidFill>
+                  <a:schemeClr val="tx1"/>
+                </a:solidFill>
+              </a:rPr>
+              <a:t>AR</a:t>
+            </a:r>
           </a:p>
         </p:txBody>
       </p:sp>
